--- a/GersonCastillo_Pro/Client/wwwroot/files/Ejercicio de Consolidacion Finaciera Publico.pptx
+++ b/GersonCastillo_Pro/Client/wwwroot/files/Ejercicio de Consolidacion Finaciera Publico.pptx
@@ -4484,23 +4484,7 @@
                   <a:schemeClr val="bg1"/>
                 </a:solidFill>
               </a:rPr>
-              <a:t>Consolidación</a:t>
-            </a:r>
-            <a:r>
-              <a:rPr lang="en-US" dirty="0">
-                <a:solidFill>
-                  <a:schemeClr val="bg1"/>
-                </a:solidFill>
-              </a:rPr>
-              <a:t>ó</a:t>
-            </a:r>
-            <a:r>
-              <a:rPr lang="es-PH" dirty="0">
-                <a:solidFill>
-                  <a:schemeClr val="bg1"/>
-                </a:solidFill>
-              </a:rPr>
-              <a:t>n Financiera</a:t>
+              <a:t>Consolidación Financiera</a:t>
             </a:r>
             <a:endParaRPr lang="en-US" dirty="0">
               <a:solidFill>
@@ -5010,8 +4994,8 @@
           </a:p>
         </p:txBody>
       </p:sp>
-      <mc:AlternateContent xmlns:mc="http://schemas.openxmlformats.org/markup-compatibility/2006">
-        <mc:Choice xmlns:we="http://schemas.microsoft.com/office/webextensions/webextension/2010/11" xmlns:pca="http://schemas.microsoft.com/office/powerpoint/2013/contentapp" Requires="we pca">
+      <mc:AlternateContent xmlns:mc="http://schemas.openxmlformats.org/markup-compatibility/2006" xmlns:we="http://schemas.microsoft.com/office/webextensions/webextension/2010/11" xmlns:pca="http://schemas.microsoft.com/office/powerpoint/2013/contentapp">
+        <mc:Choice Requires="we pca">
           <p:graphicFrame>
             <p:nvGraphicFramePr>
               <p:cNvPr id="6" name="Complemento 5">
@@ -5043,7 +5027,7 @@
             </a:graphic>
           </p:graphicFrame>
         </mc:Choice>
-        <mc:Fallback>
+        <mc:Fallback xmlns="">
           <p:pic>
             <p:nvPicPr>
               <p:cNvPr id="6" name="Complemento 5">
@@ -5610,8 +5594,8 @@
           </a:p>
         </p:txBody>
       </p:sp>
-      <mc:AlternateContent xmlns:mc="http://schemas.openxmlformats.org/markup-compatibility/2006">
-        <mc:Choice xmlns:we="http://schemas.microsoft.com/office/webextensions/webextension/2010/11" xmlns:pca="http://schemas.microsoft.com/office/powerpoint/2013/contentapp" Requires="we pca">
+      <mc:AlternateContent xmlns:mc="http://schemas.openxmlformats.org/markup-compatibility/2006" xmlns:we="http://schemas.microsoft.com/office/webextensions/webextension/2010/11" xmlns:pca="http://schemas.microsoft.com/office/powerpoint/2013/contentapp">
+        <mc:Choice Requires="we pca">
           <p:graphicFrame>
             <p:nvGraphicFramePr>
               <p:cNvPr id="2" name="Complemento 1">
@@ -5643,7 +5627,7 @@
             </a:graphic>
           </p:graphicFrame>
         </mc:Choice>
-        <mc:Fallback>
+        <mc:Fallback xmlns="">
           <p:pic>
             <p:nvPicPr>
               <p:cNvPr id="2" name="Complemento 1">
@@ -5912,8 +5896,8 @@
           </a:p>
         </p:txBody>
       </p:sp>
-      <mc:AlternateContent xmlns:mc="http://schemas.openxmlformats.org/markup-compatibility/2006">
-        <mc:Choice xmlns:we="http://schemas.microsoft.com/office/webextensions/webextension/2010/11" xmlns:pca="http://schemas.microsoft.com/office/powerpoint/2013/contentapp" Requires="we pca">
+      <mc:AlternateContent xmlns:mc="http://schemas.openxmlformats.org/markup-compatibility/2006" xmlns:we="http://schemas.microsoft.com/office/webextensions/webextension/2010/11" xmlns:pca="http://schemas.microsoft.com/office/powerpoint/2013/contentapp">
+        <mc:Choice Requires="we pca">
           <p:graphicFrame>
             <p:nvGraphicFramePr>
               <p:cNvPr id="2" name="Complemento 1">
@@ -5945,7 +5929,7 @@
             </a:graphic>
           </p:graphicFrame>
         </mc:Choice>
-        <mc:Fallback>
+        <mc:Fallback xmlns="">
           <p:pic>
             <p:nvPicPr>
               <p:cNvPr id="2" name="Complemento 1">
@@ -7228,7 +7212,23 @@
                   <a:schemeClr val="bg1"/>
                 </a:solidFill>
               </a:rPr>
-              <a:t>  10.000 €, </a:t>
+              <a:t> </a:t>
+            </a:r>
+            <a:r>
+              <a:rPr lang="en-US" sz="1800" dirty="0" err="1">
+                <a:solidFill>
+                  <a:schemeClr val="bg1"/>
+                </a:solidFill>
+              </a:rPr>
+              <a:t>por</a:t>
+            </a:r>
+            <a:r>
+              <a:rPr lang="es-PH" sz="1800" dirty="0">
+                <a:solidFill>
+                  <a:schemeClr val="bg1"/>
+                </a:solidFill>
+              </a:rPr>
+              <a:t> 10.000 €, </a:t>
             </a:r>
             <a:r>
               <a:rPr lang="en-US" sz="1800" dirty="0">
@@ -9647,8 +9647,8 @@
           </a:p>
         </p:txBody>
       </p:sp>
-      <mc:AlternateContent xmlns:mc="http://schemas.openxmlformats.org/markup-compatibility/2006">
-        <mc:Choice xmlns:we="http://schemas.microsoft.com/office/webextensions/webextension/2010/11" xmlns:pca="http://schemas.microsoft.com/office/powerpoint/2013/contentapp" Requires="we pca">
+      <mc:AlternateContent xmlns:mc="http://schemas.openxmlformats.org/markup-compatibility/2006" xmlns:we="http://schemas.microsoft.com/office/webextensions/webextension/2010/11" xmlns:pca="http://schemas.microsoft.com/office/powerpoint/2013/contentapp">
+        <mc:Choice Requires="we pca">
           <p:graphicFrame>
             <p:nvGraphicFramePr>
               <p:cNvPr id="5" name="Complemento 4">
@@ -9680,7 +9680,7 @@
             </a:graphic>
           </p:graphicFrame>
         </mc:Choice>
-        <mc:Fallback>
+        <mc:Fallback xmlns="">
           <p:pic>
             <p:nvPicPr>
               <p:cNvPr id="5" name="Complemento 4">
@@ -10012,8 +10012,8 @@
           </p:spPr>
         </p:pic>
       </p:grpSp>
-      <mc:AlternateContent xmlns:mc="http://schemas.openxmlformats.org/markup-compatibility/2006">
-        <mc:Choice xmlns:we="http://schemas.microsoft.com/office/webextensions/webextension/2010/11" xmlns:pca="http://schemas.microsoft.com/office/powerpoint/2013/contentapp" Requires="we pca">
+      <mc:AlternateContent xmlns:mc="http://schemas.openxmlformats.org/markup-compatibility/2006" xmlns:we="http://schemas.microsoft.com/office/webextensions/webextension/2010/11" xmlns:pca="http://schemas.microsoft.com/office/powerpoint/2013/contentapp">
+        <mc:Choice Requires="we pca">
           <p:graphicFrame>
             <p:nvGraphicFramePr>
               <p:cNvPr id="3" name="Complemento 2">
@@ -10045,7 +10045,7 @@
             </a:graphic>
           </p:graphicFrame>
         </mc:Choice>
-        <mc:Fallback>
+        <mc:Fallback xmlns="">
           <p:pic>
             <p:nvPicPr>
               <p:cNvPr id="3" name="Complemento 2">
@@ -11944,8 +11944,8 @@
           </a:p>
         </p:txBody>
       </p:sp>
-      <mc:AlternateContent xmlns:mc="http://schemas.openxmlformats.org/markup-compatibility/2006">
-        <mc:Choice xmlns:we="http://schemas.microsoft.com/office/webextensions/webextension/2010/11" xmlns:pca="http://schemas.microsoft.com/office/powerpoint/2013/contentapp" Requires="we pca">
+      <mc:AlternateContent xmlns:mc="http://schemas.openxmlformats.org/markup-compatibility/2006" xmlns:we="http://schemas.microsoft.com/office/webextensions/webextension/2010/11" xmlns:pca="http://schemas.microsoft.com/office/powerpoint/2013/contentapp">
+        <mc:Choice Requires="we pca">
           <p:graphicFrame>
             <p:nvGraphicFramePr>
               <p:cNvPr id="3" name="Complemento 2">
@@ -11977,7 +11977,7 @@
             </a:graphic>
           </p:graphicFrame>
         </mc:Choice>
-        <mc:Fallback>
+        <mc:Fallback xmlns="">
           <p:pic>
             <p:nvPicPr>
               <p:cNvPr id="3" name="Complemento 2">
@@ -12987,8 +12987,8 @@
           </a:p>
         </p:txBody>
       </p:sp>
-      <mc:AlternateContent xmlns:mc="http://schemas.openxmlformats.org/markup-compatibility/2006">
-        <mc:Choice xmlns:we="http://schemas.microsoft.com/office/webextensions/webextension/2010/11" xmlns:pca="http://schemas.microsoft.com/office/powerpoint/2013/contentapp" Requires="we pca">
+      <mc:AlternateContent xmlns:mc="http://schemas.openxmlformats.org/markup-compatibility/2006" xmlns:we="http://schemas.microsoft.com/office/webextensions/webextension/2010/11" xmlns:pca="http://schemas.microsoft.com/office/powerpoint/2013/contentapp">
+        <mc:Choice Requires="we pca">
           <p:graphicFrame>
             <p:nvGraphicFramePr>
               <p:cNvPr id="6" name="Complemento 5">
@@ -13020,7 +13020,7 @@
             </a:graphic>
           </p:graphicFrame>
         </mc:Choice>
-        <mc:Fallback>
+        <mc:Fallback xmlns="">
           <p:pic>
             <p:nvPicPr>
               <p:cNvPr id="6" name="Complemento 5">
@@ -13865,8 +13865,8 @@
           </p:spPr>
         </p:pic>
       </p:grpSp>
-      <mc:AlternateContent xmlns:mc="http://schemas.openxmlformats.org/markup-compatibility/2006">
-        <mc:Choice xmlns:we="http://schemas.microsoft.com/office/webextensions/webextension/2010/11" xmlns:pca="http://schemas.microsoft.com/office/powerpoint/2013/contentapp" Requires="we pca">
+      <mc:AlternateContent xmlns:mc="http://schemas.openxmlformats.org/markup-compatibility/2006" xmlns:we="http://schemas.microsoft.com/office/webextensions/webextension/2010/11" xmlns:pca="http://schemas.microsoft.com/office/powerpoint/2013/contentapp">
+        <mc:Choice Requires="we pca">
           <p:graphicFrame>
             <p:nvGraphicFramePr>
               <p:cNvPr id="6" name="Complemento 5">
@@ -13898,7 +13898,7 @@
             </a:graphic>
           </p:graphicFrame>
         </mc:Choice>
-        <mc:Fallback>
+        <mc:Fallback xmlns="">
           <p:pic>
             <p:nvPicPr>
               <p:cNvPr id="6" name="Complemento 5">
@@ -14692,8 +14692,8 @@
           </p:spPr>
         </p:pic>
       </p:grpSp>
-      <mc:AlternateContent xmlns:mc="http://schemas.openxmlformats.org/markup-compatibility/2006">
-        <mc:Choice xmlns:we="http://schemas.microsoft.com/office/webextensions/webextension/2010/11" xmlns:pca="http://schemas.microsoft.com/office/powerpoint/2013/contentapp" Requires="we pca">
+      <mc:AlternateContent xmlns:mc="http://schemas.openxmlformats.org/markup-compatibility/2006" xmlns:we="http://schemas.microsoft.com/office/webextensions/webextension/2010/11" xmlns:pca="http://schemas.microsoft.com/office/powerpoint/2013/contentapp">
+        <mc:Choice Requires="we pca">
           <p:graphicFrame>
             <p:nvGraphicFramePr>
               <p:cNvPr id="4" name="Complemento 3">
@@ -14725,7 +14725,7 @@
             </a:graphic>
           </p:graphicFrame>
         </mc:Choice>
-        <mc:Fallback>
+        <mc:Fallback xmlns="">
           <p:pic>
             <p:nvPicPr>
               <p:cNvPr id="4" name="Complemento 3">
